--- a/Documents/Task 7/Task 7.pptx
+++ b/Documents/Task 7/Task 7.pptx
@@ -735,7 +735,7 @@
           <a:p>
             <a:fld id="{47B9CC14-C19A-4133-BA5B-215623135375}" type="datetimeFigureOut">
               <a:rPr lang="de-CH" smtClean="0"/>
-              <a:t>06.11.2015</a:t>
+              <a:t>11.11.2015</a:t>
             </a:fld>
             <a:endParaRPr lang="de-CH"/>
           </a:p>
@@ -931,7 +931,7 @@
           <a:p>
             <a:fld id="{47B9CC14-C19A-4133-BA5B-215623135375}" type="datetimeFigureOut">
               <a:rPr lang="de-CH" smtClean="0"/>
-              <a:t>06.11.2015</a:t>
+              <a:t>11.11.2015</a:t>
             </a:fld>
             <a:endParaRPr lang="de-CH"/>
           </a:p>
@@ -1116,7 +1116,7 @@
           <a:p>
             <a:fld id="{47B9CC14-C19A-4133-BA5B-215623135375}" type="datetimeFigureOut">
               <a:rPr lang="de-CH" smtClean="0"/>
-              <a:t>06.11.2015</a:t>
+              <a:t>11.11.2015</a:t>
             </a:fld>
             <a:endParaRPr lang="de-CH"/>
           </a:p>
@@ -1266,7 +1266,7 @@
           <a:p>
             <a:fld id="{47B9CC14-C19A-4133-BA5B-215623135375}" type="datetimeFigureOut">
               <a:rPr lang="de-CH" smtClean="0"/>
-              <a:t>06.11.2015</a:t>
+              <a:t>11.11.2015</a:t>
             </a:fld>
             <a:endParaRPr lang="de-CH"/>
           </a:p>
@@ -1521,7 +1521,7 @@
           <a:p>
             <a:fld id="{47B9CC14-C19A-4133-BA5B-215623135375}" type="datetimeFigureOut">
               <a:rPr lang="de-CH" smtClean="0"/>
-              <a:t>06.11.2015</a:t>
+              <a:t>11.11.2015</a:t>
             </a:fld>
             <a:endParaRPr lang="de-CH"/>
           </a:p>
@@ -1930,7 +1930,7 @@
           <a:p>
             <a:fld id="{47B9CC14-C19A-4133-BA5B-215623135375}" type="datetimeFigureOut">
               <a:rPr lang="de-CH" smtClean="0"/>
-              <a:t>06.11.2015</a:t>
+              <a:t>11.11.2015</a:t>
             </a:fld>
             <a:endParaRPr lang="de-CH"/>
           </a:p>
@@ -2376,7 +2376,7 @@
           <a:p>
             <a:fld id="{47B9CC14-C19A-4133-BA5B-215623135375}" type="datetimeFigureOut">
               <a:rPr lang="de-CH" smtClean="0"/>
-              <a:t>06.11.2015</a:t>
+              <a:t>11.11.2015</a:t>
             </a:fld>
             <a:endParaRPr lang="de-CH"/>
           </a:p>
@@ -2477,7 +2477,7 @@
           <a:p>
             <a:fld id="{47B9CC14-C19A-4133-BA5B-215623135375}" type="datetimeFigureOut">
               <a:rPr lang="de-CH" smtClean="0"/>
-              <a:t>06.11.2015</a:t>
+              <a:t>11.11.2015</a:t>
             </a:fld>
             <a:endParaRPr lang="de-CH"/>
           </a:p>
@@ -2598,7 +2598,7 @@
           <a:p>
             <a:fld id="{47B9CC14-C19A-4133-BA5B-215623135375}" type="datetimeFigureOut">
               <a:rPr lang="de-CH" smtClean="0"/>
-              <a:t>06.11.2015</a:t>
+              <a:t>11.11.2015</a:t>
             </a:fld>
             <a:endParaRPr lang="de-CH"/>
           </a:p>
@@ -2872,7 +2872,7 @@
           <a:p>
             <a:fld id="{47B9CC14-C19A-4133-BA5B-215623135375}" type="datetimeFigureOut">
               <a:rPr lang="de-CH" smtClean="0"/>
-              <a:t>06.11.2015</a:t>
+              <a:t>11.11.2015</a:t>
             </a:fld>
             <a:endParaRPr lang="de-CH"/>
           </a:p>
@@ -3077,7 +3077,7 @@
           <a:p>
             <a:fld id="{47B9CC14-C19A-4133-BA5B-215623135375}" type="datetimeFigureOut">
               <a:rPr lang="de-CH" smtClean="0"/>
-              <a:t>06.11.2015</a:t>
+              <a:t>11.11.2015</a:t>
             </a:fld>
             <a:endParaRPr lang="de-CH"/>
           </a:p>
@@ -4186,7 +4186,7 @@
           <a:p>
             <a:fld id="{47B9CC14-C19A-4133-BA5B-215623135375}" type="datetimeFigureOut">
               <a:rPr lang="de-CH" smtClean="0"/>
-              <a:t>06.11.2015</a:t>
+              <a:t>11.11.2015</a:t>
             </a:fld>
             <a:endParaRPr lang="de-CH"/>
           </a:p>
@@ -4665,6 +4665,13 @@
   <p:clrMapOvr>
     <a:masterClrMapping/>
   </p:clrMapOvr>
+  <p:timing>
+    <p:tnLst>
+      <p:par>
+        <p:cTn id="1" dur="indefinite" restart="never" nodeType="tmRoot"/>
+      </p:par>
+    </p:tnLst>
+  </p:timing>
 </p:sld>
 </file>
 
@@ -4782,6 +4789,13 @@
   <p:clrMapOvr>
     <a:masterClrMapping/>
   </p:clrMapOvr>
+  <p:timing>
+    <p:tnLst>
+      <p:par>
+        <p:cTn id="1" dur="indefinite" restart="never" nodeType="tmRoot"/>
+      </p:par>
+    </p:tnLst>
+  </p:timing>
 </p:sld>
 </file>
 
@@ -4817,7 +4831,7 @@
           <a:bodyPr/>
           <a:lstStyle/>
           <a:p>
-            <a:endParaRPr lang="de-CH"/>
+            <a:endParaRPr lang="de-CH" dirty="0"/>
           </a:p>
         </p:txBody>
       </p:sp>
@@ -4856,6 +4870,47 @@
           </a:p>
         </p:txBody>
       </p:sp>
+      <p:pic>
+        <p:nvPicPr>
+          <p:cNvPr id="1026" name="Picture 2" descr="C:\Workspace\BTX8081_w2015_schwarz\Documents\Task 7\Sequence Diagram - Alert.jpg"/>
+          <p:cNvPicPr>
+            <a:picLocks noChangeAspect="1" noChangeArrowheads="1"/>
+          </p:cNvPicPr>
+          <p:nvPr/>
+        </p:nvPicPr>
+        <p:blipFill>
+          <a:blip r:embed="rId2">
+            <a:extLst>
+              <a:ext uri="{28A0092B-C50C-407E-A947-70E740481C1C}">
+                <a14:useLocalDpi xmlns:a14="http://schemas.microsoft.com/office/drawing/2010/main" val="0"/>
+              </a:ext>
+            </a:extLst>
+          </a:blip>
+          <a:srcRect/>
+          <a:stretch>
+            <a:fillRect/>
+          </a:stretch>
+        </p:blipFill>
+        <p:spPr bwMode="auto">
+          <a:xfrm>
+            <a:off x="1043607" y="1268760"/>
+            <a:ext cx="7126727" cy="4669235"/>
+          </a:xfrm>
+          <a:prstGeom prst="rect">
+            <a:avLst/>
+          </a:prstGeom>
+          <a:noFill/>
+          <a:extLst>
+            <a:ext uri="{909E8E84-426E-40DD-AFC4-6F175D3DCCD1}">
+              <a14:hiddenFill xmlns:a14="http://schemas.microsoft.com/office/drawing/2010/main">
+                <a:solidFill>
+                  <a:srgbClr val="FFFFFF"/>
+                </a:solidFill>
+              </a14:hiddenFill>
+            </a:ext>
+          </a:extLst>
+        </p:spPr>
+      </p:pic>
     </p:spTree>
     <p:extLst>
       <p:ext uri="{BB962C8B-B14F-4D97-AF65-F5344CB8AC3E}">
@@ -4866,6 +4921,13 @@
   <p:clrMapOvr>
     <a:masterClrMapping/>
   </p:clrMapOvr>
+  <p:timing>
+    <p:tnLst>
+      <p:par>
+        <p:cTn id="1" dur="indefinite" restart="never" nodeType="tmRoot"/>
+      </p:par>
+    </p:tnLst>
+  </p:timing>
 </p:sld>
 </file>
 
@@ -4940,6 +5002,47 @@
           </a:p>
         </p:txBody>
       </p:sp>
+      <p:pic>
+        <p:nvPicPr>
+          <p:cNvPr id="2050" name="Picture 2" descr="C:\Workspace\BTX8081_w2015_schwarz\Documents\Task 7\Sequence Diagram - Update.jpg"/>
+          <p:cNvPicPr>
+            <a:picLocks noChangeAspect="1" noChangeArrowheads="1"/>
+          </p:cNvPicPr>
+          <p:nvPr/>
+        </p:nvPicPr>
+        <p:blipFill>
+          <a:blip r:embed="rId2">
+            <a:extLst>
+              <a:ext uri="{28A0092B-C50C-407E-A947-70E740481C1C}">
+                <a14:useLocalDpi xmlns:a14="http://schemas.microsoft.com/office/drawing/2010/main" val="0"/>
+              </a:ext>
+            </a:extLst>
+          </a:blip>
+          <a:srcRect/>
+          <a:stretch>
+            <a:fillRect/>
+          </a:stretch>
+        </p:blipFill>
+        <p:spPr bwMode="auto">
+          <a:xfrm>
+            <a:off x="1283795" y="1390068"/>
+            <a:ext cx="6904340" cy="4679294"/>
+          </a:xfrm>
+          <a:prstGeom prst="rect">
+            <a:avLst/>
+          </a:prstGeom>
+          <a:noFill/>
+          <a:extLst>
+            <a:ext uri="{909E8E84-426E-40DD-AFC4-6F175D3DCCD1}">
+              <a14:hiddenFill xmlns:a14="http://schemas.microsoft.com/office/drawing/2010/main">
+                <a:solidFill>
+                  <a:srgbClr val="FFFFFF"/>
+                </a:solidFill>
+              </a14:hiddenFill>
+            </a:ext>
+          </a:extLst>
+        </p:spPr>
+      </p:pic>
     </p:spTree>
     <p:extLst>
       <p:ext uri="{BB962C8B-B14F-4D97-AF65-F5344CB8AC3E}">
@@ -4950,6 +5053,13 @@
   <p:clrMapOvr>
     <a:masterClrMapping/>
   </p:clrMapOvr>
+  <p:timing>
+    <p:tnLst>
+      <p:par>
+        <p:cTn id="1" dur="indefinite" restart="never" nodeType="tmRoot"/>
+      </p:par>
+    </p:tnLst>
+  </p:timing>
 </p:sld>
 </file>
 

--- a/Documents/Task 7/Task 7.pptx
+++ b/Documents/Task 7/Task 7.pptx
@@ -735,7 +735,7 @@
           <a:p>
             <a:fld id="{47B9CC14-C19A-4133-BA5B-215623135375}" type="datetimeFigureOut">
               <a:rPr lang="de-CH" smtClean="0"/>
-              <a:t>11.11.2015</a:t>
+              <a:t>12.11.2015</a:t>
             </a:fld>
             <a:endParaRPr lang="de-CH"/>
           </a:p>
@@ -931,7 +931,7 @@
           <a:p>
             <a:fld id="{47B9CC14-C19A-4133-BA5B-215623135375}" type="datetimeFigureOut">
               <a:rPr lang="de-CH" smtClean="0"/>
-              <a:t>11.11.2015</a:t>
+              <a:t>12.11.2015</a:t>
             </a:fld>
             <a:endParaRPr lang="de-CH"/>
           </a:p>
@@ -1116,7 +1116,7 @@
           <a:p>
             <a:fld id="{47B9CC14-C19A-4133-BA5B-215623135375}" type="datetimeFigureOut">
               <a:rPr lang="de-CH" smtClean="0"/>
-              <a:t>11.11.2015</a:t>
+              <a:t>12.11.2015</a:t>
             </a:fld>
             <a:endParaRPr lang="de-CH"/>
           </a:p>
@@ -1266,7 +1266,7 @@
           <a:p>
             <a:fld id="{47B9CC14-C19A-4133-BA5B-215623135375}" type="datetimeFigureOut">
               <a:rPr lang="de-CH" smtClean="0"/>
-              <a:t>11.11.2015</a:t>
+              <a:t>12.11.2015</a:t>
             </a:fld>
             <a:endParaRPr lang="de-CH"/>
           </a:p>
@@ -1521,7 +1521,7 @@
           <a:p>
             <a:fld id="{47B9CC14-C19A-4133-BA5B-215623135375}" type="datetimeFigureOut">
               <a:rPr lang="de-CH" smtClean="0"/>
-              <a:t>11.11.2015</a:t>
+              <a:t>12.11.2015</a:t>
             </a:fld>
             <a:endParaRPr lang="de-CH"/>
           </a:p>
@@ -1930,7 +1930,7 @@
           <a:p>
             <a:fld id="{47B9CC14-C19A-4133-BA5B-215623135375}" type="datetimeFigureOut">
               <a:rPr lang="de-CH" smtClean="0"/>
-              <a:t>11.11.2015</a:t>
+              <a:t>12.11.2015</a:t>
             </a:fld>
             <a:endParaRPr lang="de-CH"/>
           </a:p>
@@ -2376,7 +2376,7 @@
           <a:p>
             <a:fld id="{47B9CC14-C19A-4133-BA5B-215623135375}" type="datetimeFigureOut">
               <a:rPr lang="de-CH" smtClean="0"/>
-              <a:t>11.11.2015</a:t>
+              <a:t>12.11.2015</a:t>
             </a:fld>
             <a:endParaRPr lang="de-CH"/>
           </a:p>
@@ -2477,7 +2477,7 @@
           <a:p>
             <a:fld id="{47B9CC14-C19A-4133-BA5B-215623135375}" type="datetimeFigureOut">
               <a:rPr lang="de-CH" smtClean="0"/>
-              <a:t>11.11.2015</a:t>
+              <a:t>12.11.2015</a:t>
             </a:fld>
             <a:endParaRPr lang="de-CH"/>
           </a:p>
@@ -2598,7 +2598,7 @@
           <a:p>
             <a:fld id="{47B9CC14-C19A-4133-BA5B-215623135375}" type="datetimeFigureOut">
               <a:rPr lang="de-CH" smtClean="0"/>
-              <a:t>11.11.2015</a:t>
+              <a:t>12.11.2015</a:t>
             </a:fld>
             <a:endParaRPr lang="de-CH"/>
           </a:p>
@@ -2872,7 +2872,7 @@
           <a:p>
             <a:fld id="{47B9CC14-C19A-4133-BA5B-215623135375}" type="datetimeFigureOut">
               <a:rPr lang="de-CH" smtClean="0"/>
-              <a:t>11.11.2015</a:t>
+              <a:t>12.11.2015</a:t>
             </a:fld>
             <a:endParaRPr lang="de-CH"/>
           </a:p>
@@ -3077,7 +3077,7 @@
           <a:p>
             <a:fld id="{47B9CC14-C19A-4133-BA5B-215623135375}" type="datetimeFigureOut">
               <a:rPr lang="de-CH" smtClean="0"/>
-              <a:t>11.11.2015</a:t>
+              <a:t>12.11.2015</a:t>
             </a:fld>
             <a:endParaRPr lang="de-CH"/>
           </a:p>
@@ -4186,7 +4186,7 @@
           <a:p>
             <a:fld id="{47B9CC14-C19A-4133-BA5B-215623135375}" type="datetimeFigureOut">
               <a:rPr lang="de-CH" smtClean="0"/>
-              <a:t>11.11.2015</a:t>
+              <a:t>12.11.2015</a:t>
             </a:fld>
             <a:endParaRPr lang="de-CH"/>
           </a:p>
@@ -4707,7 +4707,7 @@
           <a:bodyPr/>
           <a:lstStyle/>
           <a:p>
-            <a:endParaRPr lang="de-CH"/>
+            <a:endParaRPr lang="de-CH" dirty="0"/>
           </a:p>
         </p:txBody>
       </p:sp>
@@ -4761,7 +4761,7 @@
         </p:blipFill>
         <p:spPr bwMode="auto">
           <a:xfrm>
-            <a:off x="467544" y="1196752"/>
+            <a:off x="683568" y="1227525"/>
             <a:ext cx="7823200" cy="5473700"/>
           </a:xfrm>
           <a:prstGeom prst="rect">
@@ -4893,8 +4893,8 @@
         </p:blipFill>
         <p:spPr bwMode="auto">
           <a:xfrm>
-            <a:off x="1043607" y="1268760"/>
-            <a:ext cx="7126727" cy="4669235"/>
+            <a:off x="395536" y="1268759"/>
+            <a:ext cx="8352928" cy="5472608"/>
           </a:xfrm>
           <a:prstGeom prst="rect">
             <a:avLst/>
@@ -5025,8 +5025,8 @@
         </p:blipFill>
         <p:spPr bwMode="auto">
           <a:xfrm>
-            <a:off x="1283795" y="1390068"/>
-            <a:ext cx="6904340" cy="4679294"/>
+            <a:off x="539552" y="1196753"/>
+            <a:ext cx="7918086" cy="5366342"/>
           </a:xfrm>
           <a:prstGeom prst="rect">
             <a:avLst/>
